--- a/Presentation/Presentation.pptx
+++ b/Presentation/Presentation.pptx
@@ -11,8 +11,7 @@
     <p:sldId id="275" r:id="rId5"/>
     <p:sldId id="271" r:id="rId6"/>
     <p:sldId id="272" r:id="rId7"/>
-    <p:sldId id="268" r:id="rId8"/>
-    <p:sldId id="267" r:id="rId9"/>
+    <p:sldId id="267" r:id="rId8"/>
   </p:sldIdLst>
   <p:sldSz cx="12192000" cy="6858000"/>
   <p:notesSz cx="6858000" cy="9144000"/>
@@ -4701,18 +4700,18 @@
       </p:grpSpPr>
       <p:sp>
         <p:nvSpPr>
-          <p:cNvPr id="2" name="Title 1"/>
-          <p:cNvSpPr>
-            <a:spLocks noGrp="1"/>
-          </p:cNvSpPr>
-          <p:nvPr>
-            <p:ph type="title"/>
+          <p:cNvPr id="3" name="Text Placeholder 2"/>
+          <p:cNvSpPr>
+            <a:spLocks noGrp="1"/>
+          </p:cNvSpPr>
+          <p:nvPr>
+            <p:ph type="body" sz="quarter" idx="1"/>
           </p:nvPr>
         </p:nvSpPr>
         <p:spPr>
           <a:xfrm>
-            <a:off x="914400" y="526774"/>
-            <a:ext cx="10363200" cy="2504661"/>
+            <a:off x="4979504" y="3528391"/>
+            <a:ext cx="6718852" cy="2355574"/>
           </a:xfrm>
         </p:spPr>
         <p:txBody>
@@ -4721,31 +4720,125 @@
           </a:bodyPr>
           <a:lstStyle/>
           <a:p>
-            <a:endParaRPr lang="en-US" dirty="0"/>
-          </a:p>
-        </p:txBody>
-      </p:sp>
-      <p:sp>
-        <p:nvSpPr>
-          <p:cNvPr id="3" name="Text Placeholder 2"/>
-          <p:cNvSpPr>
-            <a:spLocks noGrp="1"/>
-          </p:cNvSpPr>
-          <p:nvPr>
-            <p:ph type="body" sz="quarter" idx="1"/>
-          </p:nvPr>
-        </p:nvSpPr>
-        <p:spPr>
-          <a:xfrm>
-            <a:off x="4979504" y="3528391"/>
-            <a:ext cx="6718852" cy="2355574"/>
-          </a:xfrm>
-        </p:spPr>
-        <p:txBody>
-          <a:bodyPr>
-            <a:normAutofit/>
-          </a:bodyPr>
-          <a:lstStyle/>
+            <a:pPr algn="r"/>
+            <a:r>
+              <a:rPr lang="en-US" sz="2400" dirty="0" err="1">
+                <a:solidFill>
+                  <a:schemeClr val="tx1"/>
+                </a:solidFill>
+              </a:rPr>
+              <a:t>Pallavi</a:t>
+            </a:r>
+            <a:r>
+              <a:rPr lang="en-US" sz="2400" dirty="0">
+                <a:solidFill>
+                  <a:schemeClr val="tx1"/>
+                </a:solidFill>
+              </a:rPr>
+              <a:t> </a:t>
+            </a:r>
+            <a:r>
+              <a:rPr lang="en-US" sz="2400" dirty="0" err="1" smtClean="0">
+                <a:solidFill>
+                  <a:schemeClr val="tx1"/>
+                </a:solidFill>
+              </a:rPr>
+              <a:t>Ramineni</a:t>
+            </a:r>
+            <a:r>
+              <a:rPr lang="en-US" sz="2400" dirty="0" smtClean="0">
+                <a:solidFill>
+                  <a:schemeClr val="tx1"/>
+                </a:solidFill>
+              </a:rPr>
+              <a:t> - 49</a:t>
+            </a:r>
+            <a:endParaRPr lang="en-US" sz="2400" dirty="0">
+              <a:solidFill>
+                <a:schemeClr val="tx1"/>
+              </a:solidFill>
+            </a:endParaRPr>
+          </a:p>
+          <a:p>
+            <a:pPr algn="r"/>
+            <a:r>
+              <a:rPr lang="en-US" sz="2400" dirty="0" err="1">
+                <a:solidFill>
+                  <a:schemeClr val="tx1"/>
+                </a:solidFill>
+              </a:rPr>
+              <a:t>Swetha</a:t>
+            </a:r>
+            <a:r>
+              <a:rPr lang="en-US" sz="2400" dirty="0">
+                <a:solidFill>
+                  <a:schemeClr val="tx1"/>
+                </a:solidFill>
+              </a:rPr>
+              <a:t> Chandra </a:t>
+            </a:r>
+            <a:r>
+              <a:rPr lang="en-US" sz="2400" dirty="0" err="1" smtClean="0">
+                <a:solidFill>
+                  <a:schemeClr val="tx1"/>
+                </a:solidFill>
+              </a:rPr>
+              <a:t>Karroti</a:t>
+            </a:r>
+            <a:r>
+              <a:rPr lang="en-US" sz="2400" dirty="0" smtClean="0">
+                <a:solidFill>
+                  <a:schemeClr val="tx1"/>
+                </a:solidFill>
+              </a:rPr>
+              <a:t> - 21</a:t>
+            </a:r>
+            <a:endParaRPr lang="en-US" sz="2400" dirty="0">
+              <a:solidFill>
+                <a:schemeClr val="tx1"/>
+              </a:solidFill>
+            </a:endParaRPr>
+          </a:p>
+          <a:p>
+            <a:pPr algn="r"/>
+            <a:r>
+              <a:rPr lang="en-US" sz="2400" dirty="0" err="1">
+                <a:solidFill>
+                  <a:schemeClr val="tx1"/>
+                </a:solidFill>
+              </a:rPr>
+              <a:t>Rajaramya</a:t>
+            </a:r>
+            <a:r>
+              <a:rPr lang="en-US" sz="2400" dirty="0">
+                <a:solidFill>
+                  <a:schemeClr val="tx1"/>
+                </a:solidFill>
+              </a:rPr>
+              <a:t> </a:t>
+            </a:r>
+            <a:r>
+              <a:rPr lang="en-US" sz="2400" dirty="0" err="1" smtClean="0">
+                <a:solidFill>
+                  <a:schemeClr val="tx1"/>
+                </a:solidFill>
+              </a:rPr>
+              <a:t>Janagama</a:t>
+            </a:r>
+            <a:r>
+              <a:rPr lang="en-US" sz="2400" dirty="0" smtClean="0">
+                <a:solidFill>
+                  <a:schemeClr val="tx1"/>
+                </a:solidFill>
+              </a:rPr>
+              <a:t> - 17</a:t>
+            </a:r>
+            <a:endParaRPr lang="en-US" sz="2400" dirty="0">
+              <a:solidFill>
+                <a:schemeClr val="tx1"/>
+              </a:solidFill>
+            </a:endParaRPr>
+          </a:p>
           <a:p>
             <a:pPr algn="r"/>
             <a:r>
@@ -4765,12 +4858,20 @@
               <a:t> </a:t>
             </a:r>
             <a:r>
+              <a:rPr lang="en-US" sz="2400" dirty="0" err="1" smtClean="0">
+                <a:solidFill>
+                  <a:schemeClr val="tx1"/>
+                </a:solidFill>
+              </a:rPr>
+              <a:t>Muddu</a:t>
+            </a:r>
+            <a:r>
               <a:rPr lang="en-US" sz="2400" dirty="0" smtClean="0">
                 <a:solidFill>
                   <a:schemeClr val="tx1"/>
                 </a:solidFill>
               </a:rPr>
-              <a:t>Muddu-29</a:t>
+              <a:t> - 29</a:t>
             </a:r>
             <a:endParaRPr lang="en-US" sz="2400" dirty="0" smtClean="0">
               <a:solidFill>
@@ -4780,95 +4881,7 @@
           </a:p>
           <a:p>
             <a:pPr algn="r"/>
-            <a:r>
-              <a:rPr lang="en-US" sz="2400" dirty="0" err="1">
-                <a:solidFill>
-                  <a:schemeClr val="tx1"/>
-                </a:solidFill>
-              </a:rPr>
-              <a:t>Pallavi</a:t>
-            </a:r>
-            <a:r>
-              <a:rPr lang="en-US" sz="2400" dirty="0">
-                <a:solidFill>
-                  <a:schemeClr val="tx1"/>
-                </a:solidFill>
-              </a:rPr>
-              <a:t> </a:t>
-            </a:r>
-            <a:r>
-              <a:rPr lang="en-US" sz="2400" dirty="0" smtClean="0">
-                <a:solidFill>
-                  <a:schemeClr val="tx1"/>
-                </a:solidFill>
-              </a:rPr>
-              <a:t>Ramineni-49</a:t>
-            </a:r>
             <a:endParaRPr lang="en-US" sz="2400" dirty="0">
-              <a:solidFill>
-                <a:schemeClr val="tx1"/>
-              </a:solidFill>
-            </a:endParaRPr>
-          </a:p>
-          <a:p>
-            <a:pPr algn="r"/>
-            <a:r>
-              <a:rPr lang="en-US" sz="2400" dirty="0" err="1" smtClean="0">
-                <a:solidFill>
-                  <a:schemeClr val="tx1"/>
-                </a:solidFill>
-              </a:rPr>
-              <a:t>Rajaramya</a:t>
-            </a:r>
-            <a:r>
-              <a:rPr lang="en-US" sz="2400" dirty="0">
-                <a:solidFill>
-                  <a:schemeClr val="tx1"/>
-                </a:solidFill>
-              </a:rPr>
-              <a:t> </a:t>
-            </a:r>
-            <a:r>
-              <a:rPr lang="en-US" sz="2400" dirty="0" smtClean="0">
-                <a:solidFill>
-                  <a:schemeClr val="tx1"/>
-                </a:solidFill>
-              </a:rPr>
-              <a:t>Janagama-17</a:t>
-            </a:r>
-            <a:endParaRPr lang="en-US" sz="2400" dirty="0" smtClean="0">
-              <a:solidFill>
-                <a:schemeClr val="tx1"/>
-              </a:solidFill>
-            </a:endParaRPr>
-          </a:p>
-          <a:p>
-            <a:pPr algn="r"/>
-            <a:r>
-              <a:rPr lang="en-US" sz="2400" dirty="0" err="1" smtClean="0">
-                <a:solidFill>
-                  <a:schemeClr val="tx1"/>
-                </a:solidFill>
-              </a:rPr>
-              <a:t>Swetha</a:t>
-            </a:r>
-            <a:r>
-              <a:rPr lang="en-US" sz="2400" dirty="0" smtClean="0">
-                <a:solidFill>
-                  <a:schemeClr val="tx1"/>
-                </a:solidFill>
-              </a:rPr>
-              <a:t> Chandra </a:t>
-            </a:r>
-            <a:r>
-              <a:rPr lang="en-US" sz="2400" dirty="0" smtClean="0">
-                <a:solidFill>
-                  <a:schemeClr val="tx1"/>
-                </a:solidFill>
-              </a:rPr>
-              <a:t>Karroti-21</a:t>
-            </a:r>
-            <a:endParaRPr lang="en-US" sz="2400" dirty="0" smtClean="0">
               <a:solidFill>
                 <a:schemeClr val="tx1"/>
               </a:solidFill>
@@ -4900,7 +4913,7 @@
         </p:blipFill>
         <p:spPr>
           <a:xfrm>
-            <a:off x="4431645" y="957937"/>
+            <a:off x="4586191" y="901101"/>
             <a:ext cx="2489643" cy="1838036"/>
           </a:xfrm>
           <a:prstGeom prst="rect">
@@ -4989,31 +5002,7 @@
             <a:pPr algn="just"/>
             <a:r>
               <a:rPr lang="en-US" sz="2400" dirty="0" smtClean="0"/>
-              <a:t>The motive of this </a:t>
-            </a:r>
-            <a:r>
-              <a:rPr lang="en-US" sz="2400" dirty="0" smtClean="0"/>
-              <a:t>application </a:t>
-            </a:r>
-            <a:r>
-              <a:rPr lang="en-US" sz="2400" dirty="0" smtClean="0"/>
-              <a:t>is to share </a:t>
-            </a:r>
-            <a:r>
-              <a:rPr lang="en-US" sz="2400" dirty="0" smtClean="0"/>
-              <a:t>books </a:t>
-            </a:r>
-            <a:r>
-              <a:rPr lang="en-US" sz="2400" dirty="0" smtClean="0"/>
-              <a:t>among </a:t>
-            </a:r>
-            <a:r>
-              <a:rPr lang="en-US" sz="2400" dirty="0" smtClean="0"/>
-              <a:t>registered </a:t>
-            </a:r>
-            <a:r>
-              <a:rPr lang="en-US" sz="2400" dirty="0" smtClean="0"/>
-              <a:t>users.</a:t>
+              <a:t>The motive of this application is to share books among registered users.</a:t>
             </a:r>
           </a:p>
           <a:p>
@@ -5043,11 +5032,7 @@
             </a:r>
             <a:r>
               <a:rPr lang="en-US" sz="2400" dirty="0" smtClean="0"/>
-              <a:t>time </a:t>
-            </a:r>
-            <a:r>
-              <a:rPr lang="en-US" sz="2400" dirty="0" smtClean="0"/>
-              <a:t>effectively and increase the accessibility of the books.</a:t>
+              <a:t>time effectively and increase the accessibility of the books.</a:t>
             </a:r>
           </a:p>
           <a:p>
@@ -5056,7 +5041,6 @@
               <a:rPr lang="en-US" sz="2400" dirty="0" smtClean="0"/>
               <a:t>Based on the various features available, user can select the best book he needs in an easy way.</a:t>
             </a:r>
-            <a:endParaRPr lang="en-US" sz="2400" dirty="0" smtClean="0"/>
           </a:p>
           <a:p>
             <a:pPr algn="just"/>
@@ -5149,13 +5133,8 @@
           <a:p>
             <a:r>
               <a:rPr lang="en-US" sz="2200" dirty="0" smtClean="0"/>
-              <a:t>Register &amp; </a:t>
-            </a:r>
-            <a:r>
-              <a:rPr lang="en-US" sz="2200" dirty="0" smtClean="0"/>
-              <a:t>login</a:t>
-            </a:r>
-            <a:endParaRPr lang="en-US" sz="2200" dirty="0" smtClean="0"/>
+              <a:t>Register &amp; login</a:t>
+            </a:r>
           </a:p>
           <a:p>
             <a:r>
@@ -5166,16 +5145,11 @@
               <a:rPr lang="en-US" sz="2200" dirty="0" smtClean="0"/>
               <a:t>Password and Reset</a:t>
             </a:r>
-            <a:endParaRPr lang="en-US" sz="2200" dirty="0" smtClean="0"/>
           </a:p>
           <a:p>
             <a:r>
               <a:rPr lang="en-US" sz="2200" dirty="0" smtClean="0"/>
-              <a:t>Dash </a:t>
-            </a:r>
-            <a:r>
-              <a:rPr lang="en-US" sz="2200" dirty="0" smtClean="0"/>
-              <a:t>Board</a:t>
+              <a:t>Dash Board</a:t>
             </a:r>
           </a:p>
           <a:p>
@@ -5217,7 +5191,6 @@
               <a:rPr lang="en-US" sz="2200" dirty="0" smtClean="0"/>
               <a:t>           -Invite Contacts</a:t>
             </a:r>
-            <a:endParaRPr lang="en-US" sz="2200" dirty="0" smtClean="0"/>
           </a:p>
           <a:p>
             <a:r>
@@ -5228,11 +5201,7 @@
           <a:p>
             <a:r>
               <a:rPr lang="en-US" sz="2200" dirty="0" smtClean="0"/>
-              <a:t>Book </a:t>
-            </a:r>
-            <a:r>
-              <a:rPr lang="en-US" sz="2200" dirty="0" smtClean="0"/>
-              <a:t>Central</a:t>
+              <a:t>Book Central</a:t>
             </a:r>
           </a:p>
           <a:p>
@@ -5240,7 +5209,6 @@
               <a:rPr lang="en-US" sz="2200" dirty="0" smtClean="0"/>
               <a:t>Book Reviews</a:t>
             </a:r>
-            <a:endParaRPr lang="en-US" sz="2200" dirty="0" smtClean="0"/>
           </a:p>
           <a:p>
             <a:r>
@@ -5260,7 +5228,6 @@
               <a:rPr lang="en-US" sz="2200" dirty="0" smtClean="0"/>
               <a:t>         -Change Password</a:t>
             </a:r>
-            <a:endParaRPr lang="en-US" sz="2200" dirty="0" smtClean="0"/>
           </a:p>
           <a:p>
             <a:endParaRPr lang="en-US" dirty="0" smtClean="0"/>
@@ -5273,276 +5240,6 @@
           </a:p>
         </p:txBody>
       </p:sp>
-      <p:pic>
-        <p:nvPicPr>
-          <p:cNvPr id="4" name="Picture 3"/>
-          <p:cNvPicPr>
-            <a:picLocks noChangeAspect="1"/>
-          </p:cNvPicPr>
-          <p:nvPr/>
-        </p:nvPicPr>
-        <p:blipFill>
-          <a:blip r:embed="rId2">
-            <a:extLst>
-              <a:ext uri="{28A0092B-C50C-407E-A947-70E740481C1C}">
-                <a14:useLocalDpi xmlns:a14="http://schemas.microsoft.com/office/drawing/2010/main" val="0"/>
-              </a:ext>
-            </a:extLst>
-          </a:blip>
-          <a:stretch>
-            <a:fillRect/>
-          </a:stretch>
-        </p:blipFill>
-        <p:spPr>
-          <a:xfrm>
-            <a:off x="5515314" y="2737737"/>
-            <a:ext cx="1190287" cy="1190287"/>
-          </a:xfrm>
-          <a:prstGeom prst="rect">
-            <a:avLst/>
-          </a:prstGeom>
-        </p:spPr>
-      </p:pic>
-      <p:pic>
-        <p:nvPicPr>
-          <p:cNvPr id="5" name="Picture 4"/>
-          <p:cNvPicPr>
-            <a:picLocks noChangeAspect="1"/>
-          </p:cNvPicPr>
-          <p:nvPr/>
-        </p:nvPicPr>
-        <p:blipFill>
-          <a:blip r:embed="rId3">
-            <a:extLst>
-              <a:ext uri="{28A0092B-C50C-407E-A947-70E740481C1C}">
-                <a14:useLocalDpi xmlns:a14="http://schemas.microsoft.com/office/drawing/2010/main" val="0"/>
-              </a:ext>
-            </a:extLst>
-          </a:blip>
-          <a:stretch>
-            <a:fillRect/>
-          </a:stretch>
-        </p:blipFill>
-        <p:spPr>
-          <a:xfrm>
-            <a:off x="8298135" y="2631495"/>
-            <a:ext cx="1338699" cy="1338699"/>
-          </a:xfrm>
-          <a:prstGeom prst="rect">
-            <a:avLst/>
-          </a:prstGeom>
-        </p:spPr>
-      </p:pic>
-      <p:pic>
-        <p:nvPicPr>
-          <p:cNvPr id="8" name="Picture 7"/>
-          <p:cNvPicPr>
-            <a:picLocks noChangeAspect="1"/>
-          </p:cNvPicPr>
-          <p:nvPr/>
-        </p:nvPicPr>
-        <p:blipFill>
-          <a:blip r:embed="rId4" cstate="print">
-            <a:extLst>
-              <a:ext uri="{28A0092B-C50C-407E-A947-70E740481C1C}">
-                <a14:useLocalDpi xmlns:a14="http://schemas.microsoft.com/office/drawing/2010/main" val="0"/>
-              </a:ext>
-            </a:extLst>
-          </a:blip>
-          <a:stretch>
-            <a:fillRect/>
-          </a:stretch>
-        </p:blipFill>
-        <p:spPr>
-          <a:xfrm>
-            <a:off x="8332788" y="966668"/>
-            <a:ext cx="1524233" cy="1524233"/>
-          </a:xfrm>
-          <a:prstGeom prst="rect">
-            <a:avLst/>
-          </a:prstGeom>
-        </p:spPr>
-      </p:pic>
-      <p:pic>
-        <p:nvPicPr>
-          <p:cNvPr id="9" name="Picture 8"/>
-          <p:cNvPicPr>
-            <a:picLocks noChangeAspect="1"/>
-          </p:cNvPicPr>
-          <p:nvPr/>
-        </p:nvPicPr>
-        <p:blipFill>
-          <a:blip r:embed="rId5">
-            <a:extLst>
-              <a:ext uri="{28A0092B-C50C-407E-A947-70E740481C1C}">
-                <a14:useLocalDpi xmlns:a14="http://schemas.microsoft.com/office/drawing/2010/main" val="0"/>
-              </a:ext>
-            </a:extLst>
-          </a:blip>
-          <a:stretch>
-            <a:fillRect/>
-          </a:stretch>
-        </p:blipFill>
-        <p:spPr>
-          <a:xfrm>
-            <a:off x="8465512" y="4144381"/>
-            <a:ext cx="1689749" cy="1689749"/>
-          </a:xfrm>
-          <a:prstGeom prst="rect">
-            <a:avLst/>
-          </a:prstGeom>
-        </p:spPr>
-      </p:pic>
-      <p:pic>
-        <p:nvPicPr>
-          <p:cNvPr id="10" name="Picture 9"/>
-          <p:cNvPicPr>
-            <a:picLocks noChangeAspect="1"/>
-          </p:cNvPicPr>
-          <p:nvPr/>
-        </p:nvPicPr>
-        <p:blipFill>
-          <a:blip r:embed="rId6">
-            <a:extLst>
-              <a:ext uri="{28A0092B-C50C-407E-A947-70E740481C1C}">
-                <a14:useLocalDpi xmlns:a14="http://schemas.microsoft.com/office/drawing/2010/main" val="0"/>
-              </a:ext>
-            </a:extLst>
-          </a:blip>
-          <a:stretch>
-            <a:fillRect/>
-          </a:stretch>
-        </p:blipFill>
-        <p:spPr>
-          <a:xfrm>
-            <a:off x="6384476" y="3928024"/>
-            <a:ext cx="1993199" cy="1993199"/>
-          </a:xfrm>
-          <a:prstGeom prst="rect">
-            <a:avLst/>
-          </a:prstGeom>
-        </p:spPr>
-      </p:pic>
-      <p:pic>
-        <p:nvPicPr>
-          <p:cNvPr id="11" name="Picture 10"/>
-          <p:cNvPicPr>
-            <a:picLocks noChangeAspect="1"/>
-          </p:cNvPicPr>
-          <p:nvPr/>
-        </p:nvPicPr>
-        <p:blipFill>
-          <a:blip r:embed="rId7">
-            <a:extLst>
-              <a:ext uri="{28A0092B-C50C-407E-A947-70E740481C1C}">
-                <a14:useLocalDpi xmlns:a14="http://schemas.microsoft.com/office/drawing/2010/main" val="0"/>
-              </a:ext>
-            </a:extLst>
-          </a:blip>
-          <a:stretch>
-            <a:fillRect/>
-          </a:stretch>
-        </p:blipFill>
-        <p:spPr>
-          <a:xfrm>
-            <a:off x="7106136" y="2197737"/>
-            <a:ext cx="1167281" cy="1167281"/>
-          </a:xfrm>
-          <a:prstGeom prst="rect">
-            <a:avLst/>
-          </a:prstGeom>
-        </p:spPr>
-      </p:pic>
-      <p:pic>
-        <p:nvPicPr>
-          <p:cNvPr id="12" name="Picture 11"/>
-          <p:cNvPicPr>
-            <a:picLocks noChangeAspect="1"/>
-          </p:cNvPicPr>
-          <p:nvPr/>
-        </p:nvPicPr>
-        <p:blipFill>
-          <a:blip r:embed="rId8">
-            <a:extLst>
-              <a:ext uri="{28A0092B-C50C-407E-A947-70E740481C1C}">
-                <a14:useLocalDpi xmlns:a14="http://schemas.microsoft.com/office/drawing/2010/main" val="0"/>
-              </a:ext>
-            </a:extLst>
-          </a:blip>
-          <a:stretch>
-            <a:fillRect/>
-          </a:stretch>
-        </p:blipFill>
-        <p:spPr>
-          <a:xfrm>
-            <a:off x="9588062" y="2488398"/>
-            <a:ext cx="1472059" cy="1352533"/>
-          </a:xfrm>
-          <a:prstGeom prst="rect">
-            <a:avLst/>
-          </a:prstGeom>
-        </p:spPr>
-      </p:pic>
-      <p:pic>
-        <p:nvPicPr>
-          <p:cNvPr id="13" name="Picture 12"/>
-          <p:cNvPicPr>
-            <a:picLocks noChangeAspect="1"/>
-          </p:cNvPicPr>
-          <p:nvPr/>
-        </p:nvPicPr>
-        <p:blipFill>
-          <a:blip r:embed="rId9">
-            <a:extLst>
-              <a:ext uri="{28A0092B-C50C-407E-A947-70E740481C1C}">
-                <a14:useLocalDpi xmlns:a14="http://schemas.microsoft.com/office/drawing/2010/main" val="0"/>
-              </a:ext>
-            </a:extLst>
-          </a:blip>
-          <a:stretch>
-            <a:fillRect/>
-          </a:stretch>
-        </p:blipFill>
-        <p:spPr>
-          <a:xfrm>
-            <a:off x="5119228" y="2037217"/>
-            <a:ext cx="1770822" cy="505949"/>
-          </a:xfrm>
-          <a:prstGeom prst="rect">
-            <a:avLst/>
-          </a:prstGeom>
-        </p:spPr>
-      </p:pic>
-      <p:pic>
-        <p:nvPicPr>
-          <p:cNvPr id="14" name="Picture 13"/>
-          <p:cNvPicPr>
-            <a:picLocks noChangeAspect="1"/>
-          </p:cNvPicPr>
-          <p:nvPr/>
-        </p:nvPicPr>
-        <p:blipFill>
-          <a:blip r:embed="rId10">
-            <a:extLst>
-              <a:ext uri="{28A0092B-C50C-407E-A947-70E740481C1C}">
-                <a14:useLocalDpi xmlns:a14="http://schemas.microsoft.com/office/drawing/2010/main" val="0"/>
-              </a:ext>
-            </a:extLst>
-          </a:blip>
-          <a:stretch>
-            <a:fillRect/>
-          </a:stretch>
-        </p:blipFill>
-        <p:spPr>
-          <a:xfrm>
-            <a:off x="6101734" y="1256948"/>
-            <a:ext cx="2114842" cy="515929"/>
-          </a:xfrm>
-          <a:prstGeom prst="rect">
-            <a:avLst/>
-          </a:prstGeom>
-        </p:spPr>
-      </p:pic>
     </p:spTree>
     <p:extLst>
       <p:ext uri="{BB962C8B-B14F-4D97-AF65-F5344CB8AC3E}">
@@ -6281,91 +5978,6 @@
 </file>
 
 <file path=ppt/slides/slide7.xml><?xml version="1.0" encoding="utf-8"?>
-<p:sld xmlns:a="http://schemas.openxmlformats.org/drawingml/2006/main" xmlns:r="http://schemas.openxmlformats.org/officeDocument/2006/relationships" xmlns:p="http://schemas.openxmlformats.org/presentationml/2006/main">
-  <p:cSld>
-    <p:spTree>
-      <p:nvGrpSpPr>
-        <p:cNvPr id="1" name=""/>
-        <p:cNvGrpSpPr/>
-        <p:nvPr/>
-      </p:nvGrpSpPr>
-      <p:grpSpPr>
-        <a:xfrm>
-          <a:off x="0" y="0"/>
-          <a:ext cx="0" cy="0"/>
-          <a:chOff x="0" y="0"/>
-          <a:chExt cx="0" cy="0"/>
-        </a:xfrm>
-      </p:grpSpPr>
-      <p:sp>
-        <p:nvSpPr>
-          <p:cNvPr id="2" name="Title 1"/>
-          <p:cNvSpPr>
-            <a:spLocks noGrp="1"/>
-          </p:cNvSpPr>
-          <p:nvPr>
-            <p:ph type="title" idx="4294967295"/>
-          </p:nvPr>
-        </p:nvSpPr>
-        <p:spPr>
-          <a:xfrm>
-            <a:off x="0" y="274638"/>
-            <a:ext cx="10972800" cy="1143000"/>
-          </a:xfrm>
-        </p:spPr>
-        <p:txBody>
-          <a:bodyPr/>
-          <a:lstStyle/>
-          <a:p>
-            <a:r>
-              <a:rPr lang="en-US" dirty="0" smtClean="0"/>
-              <a:t>Any Queries?</a:t>
-            </a:r>
-            <a:endParaRPr lang="en-US" dirty="0"/>
-          </a:p>
-        </p:txBody>
-      </p:sp>
-      <p:pic>
-        <p:nvPicPr>
-          <p:cNvPr id="4" name="Picture 3" descr="8863.Questionmark-polaroid_2.png"/>
-          <p:cNvPicPr>
-            <a:picLocks noChangeAspect="1"/>
-          </p:cNvPicPr>
-          <p:nvPr/>
-        </p:nvPicPr>
-        <p:blipFill>
-          <a:blip r:embed="rId2"/>
-          <a:stretch>
-            <a:fillRect/>
-          </a:stretch>
-        </p:blipFill>
-        <p:spPr>
-          <a:xfrm>
-            <a:off x="4302493" y="2069432"/>
-            <a:ext cx="3676850" cy="3590222"/>
-          </a:xfrm>
-          <a:prstGeom prst="rect">
-            <a:avLst/>
-          </a:prstGeom>
-        </p:spPr>
-      </p:pic>
-    </p:spTree>
-  </p:cSld>
-  <p:clrMapOvr>
-    <a:masterClrMapping/>
-  </p:clrMapOvr>
-  <p:transition spd="med"/>
-  <p:timing>
-    <p:tnLst>
-      <p:par>
-        <p:cTn id="1" dur="indefinite" restart="never" nodeType="tmRoot"/>
-      </p:par>
-    </p:tnLst>
-  </p:timing>
-</p:sld>
-</file>
-
-<file path=ppt/slides/slide8.xml><?xml version="1.0" encoding="utf-8"?>
 <p:sld xmlns:a="http://schemas.openxmlformats.org/drawingml/2006/main" xmlns:r="http://schemas.openxmlformats.org/officeDocument/2006/relationships" xmlns:p="http://schemas.openxmlformats.org/presentationml/2006/main">
   <p:cSld>
     <p:spTree>
